--- a/מסמכים לפרוייקט/Model Pictures.pptx
+++ b/מסמכים לפרוייקט/Model Pictures.pptx
@@ -5373,6 +5373,1199 @@
           </a:p>
         </p:txBody>
       </p:sp>
+      <p:sp>
+        <p:nvSpPr>
+          <p:cNvPr id="6" name="Rectangle 5">
+            <a:extLst>
+              <a:ext uri="{FF2B5EF4-FFF2-40B4-BE49-F238E27FC236}">
+                <a16:creationId xmlns:a16="http://schemas.microsoft.com/office/drawing/2014/main" id="{8B0CF4A0-53E5-4C92-B12E-8D197C3A6A5D}"/>
+              </a:ext>
+            </a:extLst>
+          </p:cNvPr>
+          <p:cNvSpPr/>
+          <p:nvPr/>
+        </p:nvSpPr>
+        <p:spPr>
+          <a:xfrm>
+            <a:off x="436228" y="274740"/>
+            <a:ext cx="11400638" cy="6467912"/>
+          </a:xfrm>
+          <a:prstGeom prst="rect">
+            <a:avLst/>
+          </a:prstGeom>
+          <a:solidFill>
+            <a:schemeClr val="accent1">
+              <a:alpha val="62000"/>
+            </a:schemeClr>
+          </a:solidFill>
+        </p:spPr>
+        <p:style>
+          <a:lnRef idx="2">
+            <a:schemeClr val="accent1">
+              <a:shade val="50000"/>
+            </a:schemeClr>
+          </a:lnRef>
+          <a:fillRef idx="1">
+            <a:schemeClr val="accent1"/>
+          </a:fillRef>
+          <a:effectRef idx="0">
+            <a:schemeClr val="accent1"/>
+          </a:effectRef>
+          <a:fontRef idx="minor">
+            <a:schemeClr val="lt1"/>
+          </a:fontRef>
+        </p:style>
+        <p:txBody>
+          <a:bodyPr rtlCol="0" anchor="ctr"/>
+          <a:lstStyle/>
+          <a:p>
+            <a:pPr algn="ctr"/>
+            <a:endParaRPr lang="en-IL" dirty="0"/>
+          </a:p>
+        </p:txBody>
+      </p:sp>
+      <p:sp>
+        <p:nvSpPr>
+          <p:cNvPr id="7" name="TextBox 6">
+            <a:extLst>
+              <a:ext uri="{FF2B5EF4-FFF2-40B4-BE49-F238E27FC236}">
+                <a16:creationId xmlns:a16="http://schemas.microsoft.com/office/drawing/2014/main" id="{796A6844-FA45-4A4F-AE65-AB9E0EBA163B}"/>
+              </a:ext>
+            </a:extLst>
+          </p:cNvPr>
+          <p:cNvSpPr txBox="1"/>
+          <p:nvPr/>
+        </p:nvSpPr>
+        <p:spPr>
+          <a:xfrm>
+            <a:off x="4580389" y="-41005"/>
+            <a:ext cx="2474753" cy="369332"/>
+          </a:xfrm>
+          <a:prstGeom prst="rect">
+            <a:avLst/>
+          </a:prstGeom>
+          <a:noFill/>
+        </p:spPr>
+        <p:txBody>
+          <a:bodyPr wrap="square" rtlCol="0">
+            <a:spAutoFit/>
+          </a:bodyPr>
+          <a:lstStyle/>
+          <a:p>
+            <a:r>
+              <a:rPr lang="en-US" dirty="0"/>
+              <a:t>Tweet Feature Extractor</a:t>
+            </a:r>
+            <a:endParaRPr lang="en-IL" dirty="0"/>
+          </a:p>
+        </p:txBody>
+      </p:sp>
+      <p:sp>
+        <p:nvSpPr>
+          <p:cNvPr id="15" name="Rectangle 14">
+            <a:extLst>
+              <a:ext uri="{FF2B5EF4-FFF2-40B4-BE49-F238E27FC236}">
+                <a16:creationId xmlns:a16="http://schemas.microsoft.com/office/drawing/2014/main" id="{93C09113-03E0-43B5-94D6-129ED5839CF7}"/>
+              </a:ext>
+            </a:extLst>
+          </p:cNvPr>
+          <p:cNvSpPr/>
+          <p:nvPr/>
+        </p:nvSpPr>
+        <p:spPr>
+          <a:xfrm>
+            <a:off x="1324064" y="1473786"/>
+            <a:ext cx="2105636" cy="696287"/>
+          </a:xfrm>
+          <a:prstGeom prst="rect">
+            <a:avLst/>
+          </a:prstGeom>
+          <a:solidFill>
+            <a:schemeClr val="accent2"/>
+          </a:solidFill>
+        </p:spPr>
+        <p:style>
+          <a:lnRef idx="2">
+            <a:schemeClr val="accent1">
+              <a:shade val="50000"/>
+            </a:schemeClr>
+          </a:lnRef>
+          <a:fillRef idx="1">
+            <a:schemeClr val="accent1"/>
+          </a:fillRef>
+          <a:effectRef idx="0">
+            <a:schemeClr val="accent1"/>
+          </a:effectRef>
+          <a:fontRef idx="minor">
+            <a:schemeClr val="lt1"/>
+          </a:fontRef>
+        </p:style>
+        <p:txBody>
+          <a:bodyPr rtlCol="0" anchor="ctr"/>
+          <a:lstStyle/>
+          <a:p>
+            <a:pPr algn="ctr"/>
+            <a:r>
+              <a:rPr lang="en-US" dirty="0"/>
+              <a:t>Word2Vec Model</a:t>
+            </a:r>
+            <a:endParaRPr lang="en-IL" dirty="0"/>
+          </a:p>
+        </p:txBody>
+      </p:sp>
+      <p:sp>
+        <p:nvSpPr>
+          <p:cNvPr id="16" name="Rectangle: Rounded Corners 15">
+            <a:extLst>
+              <a:ext uri="{FF2B5EF4-FFF2-40B4-BE49-F238E27FC236}">
+                <a16:creationId xmlns:a16="http://schemas.microsoft.com/office/drawing/2014/main" id="{2DFFF06D-9535-486A-86A4-E806AC309F57}"/>
+              </a:ext>
+            </a:extLst>
+          </p:cNvPr>
+          <p:cNvSpPr/>
+          <p:nvPr/>
+        </p:nvSpPr>
+        <p:spPr>
+          <a:xfrm>
+            <a:off x="854280" y="2669796"/>
+            <a:ext cx="3045203" cy="1518408"/>
+          </a:xfrm>
+          <a:prstGeom prst="roundRect">
+            <a:avLst/>
+          </a:prstGeom>
+          <a:solidFill>
+            <a:schemeClr val="accent1">
+              <a:lumMod val="75000"/>
+            </a:schemeClr>
+          </a:solidFill>
+        </p:spPr>
+        <p:style>
+          <a:lnRef idx="2">
+            <a:schemeClr val="accent1">
+              <a:shade val="50000"/>
+            </a:schemeClr>
+          </a:lnRef>
+          <a:fillRef idx="1">
+            <a:schemeClr val="accent1"/>
+          </a:fillRef>
+          <a:effectRef idx="0">
+            <a:schemeClr val="accent1"/>
+          </a:effectRef>
+          <a:fontRef idx="minor">
+            <a:schemeClr val="lt1"/>
+          </a:fontRef>
+        </p:style>
+        <p:txBody>
+          <a:bodyPr rtlCol="0" anchor="ctr"/>
+          <a:lstStyle/>
+          <a:p>
+            <a:pPr algn="ctr"/>
+            <a:r>
+              <a:rPr lang="en-US" dirty="0"/>
+              <a:t>Temporal Feature Extractor</a:t>
+            </a:r>
+            <a:br>
+              <a:rPr lang="en-US" dirty="0"/>
+            </a:br>
+            <a:r>
+              <a:rPr lang="en-US" dirty="0"/>
+              <a:t>(LSTM or TCN)</a:t>
+            </a:r>
+            <a:endParaRPr lang="en-IL" dirty="0"/>
+          </a:p>
+        </p:txBody>
+      </p:sp>
+      <p:sp>
+        <p:nvSpPr>
+          <p:cNvPr id="17" name="Rectangle: Rounded Corners 16">
+            <a:extLst>
+              <a:ext uri="{FF2B5EF4-FFF2-40B4-BE49-F238E27FC236}">
+                <a16:creationId xmlns:a16="http://schemas.microsoft.com/office/drawing/2014/main" id="{DFB6FBE2-0B8C-4E67-909A-583E30B0CB51}"/>
+              </a:ext>
+            </a:extLst>
+          </p:cNvPr>
+          <p:cNvSpPr/>
+          <p:nvPr/>
+        </p:nvSpPr>
+        <p:spPr>
+          <a:xfrm>
+            <a:off x="8215620" y="2655586"/>
+            <a:ext cx="2214693" cy="1518408"/>
+          </a:xfrm>
+          <a:prstGeom prst="roundRect">
+            <a:avLst/>
+          </a:prstGeom>
+        </p:spPr>
+        <p:style>
+          <a:lnRef idx="2">
+            <a:schemeClr val="accent1">
+              <a:shade val="50000"/>
+            </a:schemeClr>
+          </a:lnRef>
+          <a:fillRef idx="1">
+            <a:schemeClr val="accent1"/>
+          </a:fillRef>
+          <a:effectRef idx="0">
+            <a:schemeClr val="accent1"/>
+          </a:effectRef>
+          <a:fontRef idx="minor">
+            <a:schemeClr val="lt1"/>
+          </a:fontRef>
+        </p:style>
+        <p:txBody>
+          <a:bodyPr rtlCol="0" anchor="ctr"/>
+          <a:lstStyle/>
+          <a:p>
+            <a:pPr algn="ctr"/>
+            <a:r>
+              <a:rPr lang="en-US" dirty="0"/>
+              <a:t>Time Differences</a:t>
+            </a:r>
+            <a:endParaRPr lang="en-IL" dirty="0"/>
+          </a:p>
+        </p:txBody>
+      </p:sp>
+      <p:sp>
+        <p:nvSpPr>
+          <p:cNvPr id="20" name="Flowchart: Manual Operation 19">
+            <a:extLst>
+              <a:ext uri="{FF2B5EF4-FFF2-40B4-BE49-F238E27FC236}">
+                <a16:creationId xmlns:a16="http://schemas.microsoft.com/office/drawing/2014/main" id="{91701BD3-6ECF-43EB-98C6-DA78557B6ADB}"/>
+              </a:ext>
+            </a:extLst>
+          </p:cNvPr>
+          <p:cNvSpPr/>
+          <p:nvPr/>
+        </p:nvSpPr>
+        <p:spPr>
+          <a:xfrm>
+            <a:off x="4398278" y="4785921"/>
+            <a:ext cx="2838974" cy="1400962"/>
+          </a:xfrm>
+          <a:prstGeom prst="flowChartManualOperation">
+            <a:avLst/>
+          </a:prstGeom>
+        </p:spPr>
+        <p:style>
+          <a:lnRef idx="2">
+            <a:schemeClr val="accent1">
+              <a:shade val="50000"/>
+            </a:schemeClr>
+          </a:lnRef>
+          <a:fillRef idx="1">
+            <a:schemeClr val="accent1"/>
+          </a:fillRef>
+          <a:effectRef idx="0">
+            <a:schemeClr val="accent1"/>
+          </a:effectRef>
+          <a:fontRef idx="minor">
+            <a:schemeClr val="lt1"/>
+          </a:fontRef>
+        </p:style>
+        <p:txBody>
+          <a:bodyPr rtlCol="0" anchor="ctr"/>
+          <a:lstStyle/>
+          <a:p>
+            <a:pPr algn="ctr"/>
+            <a:r>
+              <a:rPr lang="en-US" dirty="0"/>
+              <a:t>Combined Vectors</a:t>
+            </a:r>
+            <a:endParaRPr lang="en-IL" dirty="0"/>
+          </a:p>
+        </p:txBody>
+      </p:sp>
+      <p:cxnSp>
+        <p:nvCxnSpPr>
+          <p:cNvPr id="22" name="Straight Connector 21">
+            <a:extLst>
+              <a:ext uri="{FF2B5EF4-FFF2-40B4-BE49-F238E27FC236}">
+                <a16:creationId xmlns:a16="http://schemas.microsoft.com/office/drawing/2014/main" id="{43AE025D-BCC6-462B-96D6-2DF9F6CE67F8}"/>
+              </a:ext>
+            </a:extLst>
+          </p:cNvPr>
+          <p:cNvCxnSpPr/>
+          <p:nvPr/>
+        </p:nvCxnSpPr>
+        <p:spPr>
+          <a:xfrm>
+            <a:off x="-1398" y="922789"/>
+            <a:ext cx="9324364" cy="0"/>
+          </a:xfrm>
+          <a:prstGeom prst="line">
+            <a:avLst/>
+          </a:prstGeom>
+        </p:spPr>
+        <p:style>
+          <a:lnRef idx="1">
+            <a:schemeClr val="dk1"/>
+          </a:lnRef>
+          <a:fillRef idx="0">
+            <a:schemeClr val="dk1"/>
+          </a:fillRef>
+          <a:effectRef idx="0">
+            <a:schemeClr val="dk1"/>
+          </a:effectRef>
+          <a:fontRef idx="minor">
+            <a:schemeClr val="tx1"/>
+          </a:fontRef>
+        </p:style>
+      </p:cxnSp>
+      <p:cxnSp>
+        <p:nvCxnSpPr>
+          <p:cNvPr id="26" name="Straight Arrow Connector 25">
+            <a:extLst>
+              <a:ext uri="{FF2B5EF4-FFF2-40B4-BE49-F238E27FC236}">
+                <a16:creationId xmlns:a16="http://schemas.microsoft.com/office/drawing/2014/main" id="{20C41B1D-B74F-41A2-9A79-EFE380072317}"/>
+              </a:ext>
+            </a:extLst>
+          </p:cNvPr>
+          <p:cNvCxnSpPr>
+            <a:cxnSpLocks/>
+            <a:endCxn id="15" idx="0"/>
+          </p:cNvCxnSpPr>
+          <p:nvPr/>
+        </p:nvCxnSpPr>
+        <p:spPr>
+          <a:xfrm>
+            <a:off x="2376882" y="922789"/>
+            <a:ext cx="0" cy="550997"/>
+          </a:xfrm>
+          <a:prstGeom prst="straightConnector1">
+            <a:avLst/>
+          </a:prstGeom>
+          <a:ln>
+            <a:tailEnd type="triangle"/>
+          </a:ln>
+        </p:spPr>
+        <p:style>
+          <a:lnRef idx="1">
+            <a:schemeClr val="dk1"/>
+          </a:lnRef>
+          <a:fillRef idx="0">
+            <a:schemeClr val="dk1"/>
+          </a:fillRef>
+          <a:effectRef idx="0">
+            <a:schemeClr val="dk1"/>
+          </a:effectRef>
+          <a:fontRef idx="minor">
+            <a:schemeClr val="tx1"/>
+          </a:fontRef>
+        </p:style>
+      </p:cxnSp>
+      <p:cxnSp>
+        <p:nvCxnSpPr>
+          <p:cNvPr id="29" name="Straight Arrow Connector 28">
+            <a:extLst>
+              <a:ext uri="{FF2B5EF4-FFF2-40B4-BE49-F238E27FC236}">
+                <a16:creationId xmlns:a16="http://schemas.microsoft.com/office/drawing/2014/main" id="{FC7B8B51-6670-4E9A-B0ED-CF8269F2872B}"/>
+              </a:ext>
+            </a:extLst>
+          </p:cNvPr>
+          <p:cNvCxnSpPr>
+            <a:cxnSpLocks/>
+            <a:endCxn id="17" idx="0"/>
+          </p:cNvCxnSpPr>
+          <p:nvPr/>
+        </p:nvCxnSpPr>
+        <p:spPr>
+          <a:xfrm>
+            <a:off x="9322967" y="922789"/>
+            <a:ext cx="0" cy="1732797"/>
+          </a:xfrm>
+          <a:prstGeom prst="straightConnector1">
+            <a:avLst/>
+          </a:prstGeom>
+          <a:ln>
+            <a:tailEnd type="triangle"/>
+          </a:ln>
+        </p:spPr>
+        <p:style>
+          <a:lnRef idx="1">
+            <a:schemeClr val="dk1"/>
+          </a:lnRef>
+          <a:fillRef idx="0">
+            <a:schemeClr val="dk1"/>
+          </a:fillRef>
+          <a:effectRef idx="0">
+            <a:schemeClr val="dk1"/>
+          </a:effectRef>
+          <a:fontRef idx="minor">
+            <a:schemeClr val="tx1"/>
+          </a:fontRef>
+        </p:style>
+      </p:cxnSp>
+      <p:cxnSp>
+        <p:nvCxnSpPr>
+          <p:cNvPr id="31" name="Straight Arrow Connector 30">
+            <a:extLst>
+              <a:ext uri="{FF2B5EF4-FFF2-40B4-BE49-F238E27FC236}">
+                <a16:creationId xmlns:a16="http://schemas.microsoft.com/office/drawing/2014/main" id="{25212EA2-8124-48E8-85EE-34B453676048}"/>
+              </a:ext>
+            </a:extLst>
+          </p:cNvPr>
+          <p:cNvCxnSpPr>
+            <a:stCxn id="15" idx="2"/>
+            <a:endCxn id="16" idx="0"/>
+          </p:cNvCxnSpPr>
+          <p:nvPr/>
+        </p:nvCxnSpPr>
+        <p:spPr>
+          <a:xfrm>
+            <a:off x="2376882" y="2170073"/>
+            <a:ext cx="0" cy="499723"/>
+          </a:xfrm>
+          <a:prstGeom prst="straightConnector1">
+            <a:avLst/>
+          </a:prstGeom>
+          <a:ln>
+            <a:tailEnd type="triangle"/>
+          </a:ln>
+        </p:spPr>
+        <p:style>
+          <a:lnRef idx="1">
+            <a:schemeClr val="dk1"/>
+          </a:lnRef>
+          <a:fillRef idx="0">
+            <a:schemeClr val="dk1"/>
+          </a:fillRef>
+          <a:effectRef idx="0">
+            <a:schemeClr val="dk1"/>
+          </a:effectRef>
+          <a:fontRef idx="minor">
+            <a:schemeClr val="tx1"/>
+          </a:fontRef>
+        </p:style>
+      </p:cxnSp>
+      <p:sp>
+        <p:nvSpPr>
+          <p:cNvPr id="44" name="TextBox 43">
+            <a:extLst>
+              <a:ext uri="{FF2B5EF4-FFF2-40B4-BE49-F238E27FC236}">
+                <a16:creationId xmlns:a16="http://schemas.microsoft.com/office/drawing/2014/main" id="{CF8B46D0-6B8D-43A8-8413-912A4177660A}"/>
+              </a:ext>
+            </a:extLst>
+          </p:cNvPr>
+          <p:cNvSpPr txBox="1"/>
+          <p:nvPr/>
+        </p:nvSpPr>
+        <p:spPr>
+          <a:xfrm>
+            <a:off x="436227" y="399569"/>
+            <a:ext cx="1191232" cy="523220"/>
+          </a:xfrm>
+          <a:prstGeom prst="rect">
+            <a:avLst/>
+          </a:prstGeom>
+          <a:noFill/>
+        </p:spPr>
+        <p:txBody>
+          <a:bodyPr wrap="square" rtlCol="0">
+            <a:spAutoFit/>
+          </a:bodyPr>
+          <a:lstStyle/>
+          <a:p>
+            <a:r>
+              <a:rPr lang="en-US" sz="1400" dirty="0"/>
+              <a:t>User Tweets</a:t>
+            </a:r>
+            <a:br>
+              <a:rPr lang="en-US" sz="1400" dirty="0"/>
+            </a:br>
+            <a:r>
+              <a:rPr lang="en-US" sz="1400" dirty="0"/>
+              <a:t>(text + time)</a:t>
+            </a:r>
+            <a:endParaRPr lang="en-IL" sz="1400" dirty="0"/>
+          </a:p>
+        </p:txBody>
+      </p:sp>
+      <p:cxnSp>
+        <p:nvCxnSpPr>
+          <p:cNvPr id="50" name="Straight Arrow Connector 49">
+            <a:extLst>
+              <a:ext uri="{FF2B5EF4-FFF2-40B4-BE49-F238E27FC236}">
+                <a16:creationId xmlns:a16="http://schemas.microsoft.com/office/drawing/2014/main" id="{C32BDF8C-C526-4A84-AD71-4C6B4C04E183}"/>
+              </a:ext>
+            </a:extLst>
+          </p:cNvPr>
+          <p:cNvCxnSpPr>
+            <a:cxnSpLocks/>
+          </p:cNvCxnSpPr>
+          <p:nvPr/>
+        </p:nvCxnSpPr>
+        <p:spPr>
+          <a:xfrm>
+            <a:off x="2376881" y="1198287"/>
+            <a:ext cx="156594" cy="275499"/>
+          </a:xfrm>
+          <a:prstGeom prst="straightConnector1">
+            <a:avLst/>
+          </a:prstGeom>
+          <a:ln>
+            <a:solidFill>
+              <a:schemeClr val="tx1"/>
+            </a:solidFill>
+            <a:tailEnd type="triangle"/>
+          </a:ln>
+        </p:spPr>
+        <p:style>
+          <a:lnRef idx="1">
+            <a:schemeClr val="accent1"/>
+          </a:lnRef>
+          <a:fillRef idx="0">
+            <a:schemeClr val="accent1"/>
+          </a:fillRef>
+          <a:effectRef idx="0">
+            <a:schemeClr val="accent1"/>
+          </a:effectRef>
+          <a:fontRef idx="minor">
+            <a:schemeClr val="tx1"/>
+          </a:fontRef>
+        </p:style>
+      </p:cxnSp>
+      <p:cxnSp>
+        <p:nvCxnSpPr>
+          <p:cNvPr id="53" name="Straight Arrow Connector 52">
+            <a:extLst>
+              <a:ext uri="{FF2B5EF4-FFF2-40B4-BE49-F238E27FC236}">
+                <a16:creationId xmlns:a16="http://schemas.microsoft.com/office/drawing/2014/main" id="{537CC04C-9B0C-493A-A093-E25D8246D45D}"/>
+              </a:ext>
+            </a:extLst>
+          </p:cNvPr>
+          <p:cNvCxnSpPr>
+            <a:cxnSpLocks/>
+          </p:cNvCxnSpPr>
+          <p:nvPr/>
+        </p:nvCxnSpPr>
+        <p:spPr>
+          <a:xfrm>
+            <a:off x="2376880" y="1197530"/>
+            <a:ext cx="311091" cy="276256"/>
+          </a:xfrm>
+          <a:prstGeom prst="straightConnector1">
+            <a:avLst/>
+          </a:prstGeom>
+          <a:ln>
+            <a:solidFill>
+              <a:schemeClr val="tx1"/>
+            </a:solidFill>
+            <a:tailEnd type="triangle"/>
+          </a:ln>
+        </p:spPr>
+        <p:style>
+          <a:lnRef idx="1">
+            <a:schemeClr val="accent1"/>
+          </a:lnRef>
+          <a:fillRef idx="0">
+            <a:schemeClr val="accent1"/>
+          </a:fillRef>
+          <a:effectRef idx="0">
+            <a:schemeClr val="accent1"/>
+          </a:effectRef>
+          <a:fontRef idx="minor">
+            <a:schemeClr val="tx1"/>
+          </a:fontRef>
+        </p:style>
+      </p:cxnSp>
+      <p:cxnSp>
+        <p:nvCxnSpPr>
+          <p:cNvPr id="55" name="Straight Arrow Connector 54">
+            <a:extLst>
+              <a:ext uri="{FF2B5EF4-FFF2-40B4-BE49-F238E27FC236}">
+                <a16:creationId xmlns:a16="http://schemas.microsoft.com/office/drawing/2014/main" id="{0606393D-343D-4377-8539-3A6AB45DFF57}"/>
+              </a:ext>
+            </a:extLst>
+          </p:cNvPr>
+          <p:cNvCxnSpPr>
+            <a:cxnSpLocks/>
+          </p:cNvCxnSpPr>
+          <p:nvPr/>
+        </p:nvCxnSpPr>
+        <p:spPr>
+          <a:xfrm flipH="1">
+            <a:off x="2193544" y="1197530"/>
+            <a:ext cx="183335" cy="265491"/>
+          </a:xfrm>
+          <a:prstGeom prst="straightConnector1">
+            <a:avLst/>
+          </a:prstGeom>
+          <a:ln>
+            <a:solidFill>
+              <a:schemeClr val="tx1"/>
+            </a:solidFill>
+            <a:tailEnd type="triangle"/>
+          </a:ln>
+        </p:spPr>
+        <p:style>
+          <a:lnRef idx="1">
+            <a:schemeClr val="accent1"/>
+          </a:lnRef>
+          <a:fillRef idx="0">
+            <a:schemeClr val="accent1"/>
+          </a:fillRef>
+          <a:effectRef idx="0">
+            <a:schemeClr val="accent1"/>
+          </a:effectRef>
+          <a:fontRef idx="minor">
+            <a:schemeClr val="tx1"/>
+          </a:fontRef>
+        </p:style>
+      </p:cxnSp>
+      <p:cxnSp>
+        <p:nvCxnSpPr>
+          <p:cNvPr id="57" name="Straight Arrow Connector 56">
+            <a:extLst>
+              <a:ext uri="{FF2B5EF4-FFF2-40B4-BE49-F238E27FC236}">
+                <a16:creationId xmlns:a16="http://schemas.microsoft.com/office/drawing/2014/main" id="{7D3A2CFF-09A3-43A2-A805-6D5BB4FA1376}"/>
+              </a:ext>
+            </a:extLst>
+          </p:cNvPr>
+          <p:cNvCxnSpPr>
+            <a:cxnSpLocks/>
+          </p:cNvCxnSpPr>
+          <p:nvPr/>
+        </p:nvCxnSpPr>
+        <p:spPr>
+          <a:xfrm flipH="1">
+            <a:off x="2036952" y="1197530"/>
+            <a:ext cx="338880" cy="275754"/>
+          </a:xfrm>
+          <a:prstGeom prst="straightConnector1">
+            <a:avLst/>
+          </a:prstGeom>
+          <a:ln>
+            <a:solidFill>
+              <a:schemeClr val="tx1"/>
+            </a:solidFill>
+            <a:tailEnd type="triangle"/>
+          </a:ln>
+        </p:spPr>
+        <p:style>
+          <a:lnRef idx="1">
+            <a:schemeClr val="accent1"/>
+          </a:lnRef>
+          <a:fillRef idx="0">
+            <a:schemeClr val="accent1"/>
+          </a:fillRef>
+          <a:effectRef idx="0">
+            <a:schemeClr val="accent1"/>
+          </a:effectRef>
+          <a:fontRef idx="minor">
+            <a:schemeClr val="tx1"/>
+          </a:fontRef>
+        </p:style>
+      </p:cxnSp>
+      <p:sp>
+        <p:nvSpPr>
+          <p:cNvPr id="61" name="TextBox 60">
+            <a:extLst>
+              <a:ext uri="{FF2B5EF4-FFF2-40B4-BE49-F238E27FC236}">
+                <a16:creationId xmlns:a16="http://schemas.microsoft.com/office/drawing/2014/main" id="{4F16ED83-FF03-4EEA-84B1-37849CC57DB4}"/>
+              </a:ext>
+            </a:extLst>
+          </p:cNvPr>
+          <p:cNvSpPr txBox="1"/>
+          <p:nvPr/>
+        </p:nvSpPr>
+        <p:spPr>
+          <a:xfrm>
+            <a:off x="2532425" y="1114736"/>
+            <a:ext cx="1828802" cy="307777"/>
+          </a:xfrm>
+          <a:prstGeom prst="rect">
+            <a:avLst/>
+          </a:prstGeom>
+          <a:noFill/>
+        </p:spPr>
+        <p:txBody>
+          <a:bodyPr wrap="square" rtlCol="0">
+            <a:spAutoFit/>
+          </a:bodyPr>
+          <a:lstStyle/>
+          <a:p>
+            <a:r>
+              <a:rPr lang="en-US" sz="1400" dirty="0"/>
+              <a:t>Tweets’ words</a:t>
+            </a:r>
+            <a:endParaRPr lang="en-IL" sz="1400" dirty="0"/>
+          </a:p>
+        </p:txBody>
+      </p:sp>
+      <p:cxnSp>
+        <p:nvCxnSpPr>
+          <p:cNvPr id="62" name="Straight Arrow Connector 61">
+            <a:extLst>
+              <a:ext uri="{FF2B5EF4-FFF2-40B4-BE49-F238E27FC236}">
+                <a16:creationId xmlns:a16="http://schemas.microsoft.com/office/drawing/2014/main" id="{3EDF5C60-FA9D-418E-854A-29C746AC48ED}"/>
+              </a:ext>
+            </a:extLst>
+          </p:cNvPr>
+          <p:cNvCxnSpPr/>
+          <p:nvPr/>
+        </p:nvCxnSpPr>
+        <p:spPr>
+          <a:xfrm>
+            <a:off x="2532425" y="2170073"/>
+            <a:ext cx="0" cy="499723"/>
+          </a:xfrm>
+          <a:prstGeom prst="straightConnector1">
+            <a:avLst/>
+          </a:prstGeom>
+          <a:ln>
+            <a:tailEnd type="triangle"/>
+          </a:ln>
+        </p:spPr>
+        <p:style>
+          <a:lnRef idx="1">
+            <a:schemeClr val="dk1"/>
+          </a:lnRef>
+          <a:fillRef idx="0">
+            <a:schemeClr val="dk1"/>
+          </a:fillRef>
+          <a:effectRef idx="0">
+            <a:schemeClr val="dk1"/>
+          </a:effectRef>
+          <a:fontRef idx="minor">
+            <a:schemeClr val="tx1"/>
+          </a:fontRef>
+        </p:style>
+      </p:cxnSp>
+      <p:cxnSp>
+        <p:nvCxnSpPr>
+          <p:cNvPr id="63" name="Straight Arrow Connector 62">
+            <a:extLst>
+              <a:ext uri="{FF2B5EF4-FFF2-40B4-BE49-F238E27FC236}">
+                <a16:creationId xmlns:a16="http://schemas.microsoft.com/office/drawing/2014/main" id="{7777ECCB-518B-46E9-A57D-850B590D1817}"/>
+              </a:ext>
+            </a:extLst>
+          </p:cNvPr>
+          <p:cNvCxnSpPr/>
+          <p:nvPr/>
+        </p:nvCxnSpPr>
+        <p:spPr>
+          <a:xfrm>
+            <a:off x="2193544" y="2155863"/>
+            <a:ext cx="0" cy="499723"/>
+          </a:xfrm>
+          <a:prstGeom prst="straightConnector1">
+            <a:avLst/>
+          </a:prstGeom>
+          <a:ln>
+            <a:tailEnd type="triangle"/>
+          </a:ln>
+        </p:spPr>
+        <p:style>
+          <a:lnRef idx="1">
+            <a:schemeClr val="dk1"/>
+          </a:lnRef>
+          <a:fillRef idx="0">
+            <a:schemeClr val="dk1"/>
+          </a:fillRef>
+          <a:effectRef idx="0">
+            <a:schemeClr val="dk1"/>
+          </a:effectRef>
+          <a:fontRef idx="minor">
+            <a:schemeClr val="tx1"/>
+          </a:fontRef>
+        </p:style>
+      </p:cxnSp>
+      <p:cxnSp>
+        <p:nvCxnSpPr>
+          <p:cNvPr id="64" name="Straight Arrow Connector 63">
+            <a:extLst>
+              <a:ext uri="{FF2B5EF4-FFF2-40B4-BE49-F238E27FC236}">
+                <a16:creationId xmlns:a16="http://schemas.microsoft.com/office/drawing/2014/main" id="{2FE97CC6-2C59-443C-B2DB-512010254FFA}"/>
+              </a:ext>
+            </a:extLst>
+          </p:cNvPr>
+          <p:cNvCxnSpPr/>
+          <p:nvPr/>
+        </p:nvCxnSpPr>
+        <p:spPr>
+          <a:xfrm>
+            <a:off x="2687971" y="2155862"/>
+            <a:ext cx="0" cy="499723"/>
+          </a:xfrm>
+          <a:prstGeom prst="straightConnector1">
+            <a:avLst/>
+          </a:prstGeom>
+          <a:ln>
+            <a:tailEnd type="triangle"/>
+          </a:ln>
+        </p:spPr>
+        <p:style>
+          <a:lnRef idx="1">
+            <a:schemeClr val="dk1"/>
+          </a:lnRef>
+          <a:fillRef idx="0">
+            <a:schemeClr val="dk1"/>
+          </a:fillRef>
+          <a:effectRef idx="0">
+            <a:schemeClr val="dk1"/>
+          </a:effectRef>
+          <a:fontRef idx="minor">
+            <a:schemeClr val="tx1"/>
+          </a:fontRef>
+        </p:style>
+      </p:cxnSp>
+      <p:cxnSp>
+        <p:nvCxnSpPr>
+          <p:cNvPr id="65" name="Straight Arrow Connector 64">
+            <a:extLst>
+              <a:ext uri="{FF2B5EF4-FFF2-40B4-BE49-F238E27FC236}">
+                <a16:creationId xmlns:a16="http://schemas.microsoft.com/office/drawing/2014/main" id="{4F06298D-822F-4A7B-BDC3-C4731E62C1CF}"/>
+              </a:ext>
+            </a:extLst>
+          </p:cNvPr>
+          <p:cNvCxnSpPr/>
+          <p:nvPr/>
+        </p:nvCxnSpPr>
+        <p:spPr>
+          <a:xfrm>
+            <a:off x="1992387" y="2170073"/>
+            <a:ext cx="0" cy="499723"/>
+          </a:xfrm>
+          <a:prstGeom prst="straightConnector1">
+            <a:avLst/>
+          </a:prstGeom>
+          <a:ln>
+            <a:tailEnd type="triangle"/>
+          </a:ln>
+        </p:spPr>
+        <p:style>
+          <a:lnRef idx="1">
+            <a:schemeClr val="dk1"/>
+          </a:lnRef>
+          <a:fillRef idx="0">
+            <a:schemeClr val="dk1"/>
+          </a:fillRef>
+          <a:effectRef idx="0">
+            <a:schemeClr val="dk1"/>
+          </a:effectRef>
+          <a:fontRef idx="minor">
+            <a:schemeClr val="tx1"/>
+          </a:fontRef>
+        </p:style>
+      </p:cxnSp>
+      <p:sp>
+        <p:nvSpPr>
+          <p:cNvPr id="67" name="TextBox 66">
+            <a:extLst>
+              <a:ext uri="{FF2B5EF4-FFF2-40B4-BE49-F238E27FC236}">
+                <a16:creationId xmlns:a16="http://schemas.microsoft.com/office/drawing/2014/main" id="{EC27C9C0-1CCB-45C6-9734-BBE884161B60}"/>
+              </a:ext>
+            </a:extLst>
+          </p:cNvPr>
+          <p:cNvSpPr txBox="1"/>
+          <p:nvPr/>
+        </p:nvSpPr>
+        <p:spPr>
+          <a:xfrm>
+            <a:off x="2633086" y="2224649"/>
+            <a:ext cx="1414943" cy="307777"/>
+          </a:xfrm>
+          <a:prstGeom prst="rect">
+            <a:avLst/>
+          </a:prstGeom>
+          <a:noFill/>
+        </p:spPr>
+        <p:txBody>
+          <a:bodyPr wrap="square" rtlCol="0">
+            <a:spAutoFit/>
+          </a:bodyPr>
+          <a:lstStyle/>
+          <a:p>
+            <a:r>
+              <a:rPr lang="en-US" sz="1400" dirty="0"/>
+              <a:t>Vector per word</a:t>
+            </a:r>
+            <a:endParaRPr lang="en-IL" sz="1400" dirty="0"/>
+          </a:p>
+        </p:txBody>
+      </p:sp>
+      <p:sp>
+        <p:nvSpPr>
+          <p:cNvPr id="68" name="TextBox 67">
+            <a:extLst>
+              <a:ext uri="{FF2B5EF4-FFF2-40B4-BE49-F238E27FC236}">
+                <a16:creationId xmlns:a16="http://schemas.microsoft.com/office/drawing/2014/main" id="{17558E6E-0C8E-4876-A553-A6D113445B91}"/>
+              </a:ext>
+            </a:extLst>
+          </p:cNvPr>
+          <p:cNvSpPr txBox="1"/>
+          <p:nvPr/>
+        </p:nvSpPr>
+        <p:spPr>
+          <a:xfrm>
+            <a:off x="1022752" y="4213916"/>
+            <a:ext cx="1414943" cy="307777"/>
+          </a:xfrm>
+          <a:prstGeom prst="rect">
+            <a:avLst/>
+          </a:prstGeom>
+          <a:noFill/>
+        </p:spPr>
+        <p:txBody>
+          <a:bodyPr wrap="square" rtlCol="0">
+            <a:spAutoFit/>
+          </a:bodyPr>
+          <a:lstStyle/>
+          <a:p>
+            <a:r>
+              <a:rPr lang="en-US" sz="1400" dirty="0"/>
+              <a:t>Vector per tweet</a:t>
+            </a:r>
+            <a:endParaRPr lang="en-IL" sz="1400" dirty="0"/>
+          </a:p>
+        </p:txBody>
+      </p:sp>
+      <p:cxnSp>
+        <p:nvCxnSpPr>
+          <p:cNvPr id="70" name="Straight Arrow Connector 69">
+            <a:extLst>
+              <a:ext uri="{FF2B5EF4-FFF2-40B4-BE49-F238E27FC236}">
+                <a16:creationId xmlns:a16="http://schemas.microsoft.com/office/drawing/2014/main" id="{35DECFCF-5579-43F3-B9C8-4EE791898BC6}"/>
+              </a:ext>
+            </a:extLst>
+          </p:cNvPr>
+          <p:cNvCxnSpPr>
+            <a:stCxn id="20" idx="2"/>
+          </p:cNvCxnSpPr>
+          <p:nvPr/>
+        </p:nvCxnSpPr>
+        <p:spPr>
+          <a:xfrm flipH="1">
+            <a:off x="5817764" y="6186883"/>
+            <a:ext cx="1" cy="671117"/>
+          </a:xfrm>
+          <a:prstGeom prst="straightConnector1">
+            <a:avLst/>
+          </a:prstGeom>
+          <a:ln>
+            <a:solidFill>
+              <a:schemeClr val="tx1"/>
+            </a:solidFill>
+            <a:tailEnd type="triangle"/>
+          </a:ln>
+        </p:spPr>
+        <p:style>
+          <a:lnRef idx="1">
+            <a:schemeClr val="accent1"/>
+          </a:lnRef>
+          <a:fillRef idx="0">
+            <a:schemeClr val="accent1"/>
+          </a:fillRef>
+          <a:effectRef idx="0">
+            <a:schemeClr val="accent1"/>
+          </a:effectRef>
+          <a:fontRef idx="minor">
+            <a:schemeClr val="tx1"/>
+          </a:fontRef>
+        </p:style>
+      </p:cxnSp>
+      <p:cxnSp>
+        <p:nvCxnSpPr>
+          <p:cNvPr id="75" name="Connector: Elbow 74">
+            <a:extLst>
+              <a:ext uri="{FF2B5EF4-FFF2-40B4-BE49-F238E27FC236}">
+                <a16:creationId xmlns:a16="http://schemas.microsoft.com/office/drawing/2014/main" id="{61BF9921-52AC-447E-9748-D63957C72FEF}"/>
+              </a:ext>
+            </a:extLst>
+          </p:cNvPr>
+          <p:cNvCxnSpPr>
+            <a:stCxn id="16" idx="2"/>
+            <a:endCxn id="20" idx="0"/>
+          </p:cNvCxnSpPr>
+          <p:nvPr/>
+        </p:nvCxnSpPr>
+        <p:spPr>
+          <a:xfrm rot="16200000" flipH="1">
+            <a:off x="3798465" y="2766620"/>
+            <a:ext cx="597717" cy="3440883"/>
+          </a:xfrm>
+          <a:prstGeom prst="bentConnector3">
+            <a:avLst>
+              <a:gd name="adj1" fmla="val 45790"/>
+            </a:avLst>
+          </a:prstGeom>
+          <a:ln>
+            <a:solidFill>
+              <a:schemeClr val="tx1"/>
+            </a:solidFill>
+            <a:tailEnd type="triangle"/>
+          </a:ln>
+        </p:spPr>
+        <p:style>
+          <a:lnRef idx="1">
+            <a:schemeClr val="accent1"/>
+          </a:lnRef>
+          <a:fillRef idx="0">
+            <a:schemeClr val="accent1"/>
+          </a:fillRef>
+          <a:effectRef idx="0">
+            <a:schemeClr val="accent1"/>
+          </a:effectRef>
+          <a:fontRef idx="minor">
+            <a:schemeClr val="tx1"/>
+          </a:fontRef>
+        </p:style>
+      </p:cxnSp>
+      <p:cxnSp>
+        <p:nvCxnSpPr>
+          <p:cNvPr id="78" name="Connector: Elbow 77">
+            <a:extLst>
+              <a:ext uri="{FF2B5EF4-FFF2-40B4-BE49-F238E27FC236}">
+                <a16:creationId xmlns:a16="http://schemas.microsoft.com/office/drawing/2014/main" id="{6AC6F917-B7D7-42F2-A9EF-D3AA1F2C8A5D}"/>
+              </a:ext>
+            </a:extLst>
+          </p:cNvPr>
+          <p:cNvCxnSpPr>
+            <a:stCxn id="17" idx="2"/>
+            <a:endCxn id="20" idx="0"/>
+          </p:cNvCxnSpPr>
+          <p:nvPr/>
+        </p:nvCxnSpPr>
+        <p:spPr>
+          <a:xfrm rot="5400000">
+            <a:off x="7264403" y="2727356"/>
+            <a:ext cx="611927" cy="3505202"/>
+          </a:xfrm>
+          <a:prstGeom prst="bentConnector3">
+            <a:avLst>
+              <a:gd name="adj1" fmla="val 45887"/>
+            </a:avLst>
+          </a:prstGeom>
+          <a:ln>
+            <a:solidFill>
+              <a:schemeClr val="tx1"/>
+            </a:solidFill>
+            <a:tailEnd type="triangle"/>
+          </a:ln>
+        </p:spPr>
+        <p:style>
+          <a:lnRef idx="1">
+            <a:schemeClr val="accent1"/>
+          </a:lnRef>
+          <a:fillRef idx="0">
+            <a:schemeClr val="accent1"/>
+          </a:fillRef>
+          <a:effectRef idx="0">
+            <a:schemeClr val="accent1"/>
+          </a:effectRef>
+          <a:fontRef idx="minor">
+            <a:schemeClr val="tx1"/>
+          </a:fontRef>
+        </p:style>
+      </p:cxnSp>
+      <p:sp>
+        <p:nvSpPr>
+          <p:cNvPr id="80" name="TextBox 79">
+            <a:extLst>
+              <a:ext uri="{FF2B5EF4-FFF2-40B4-BE49-F238E27FC236}">
+                <a16:creationId xmlns:a16="http://schemas.microsoft.com/office/drawing/2014/main" id="{1738E3FE-5E0F-4113-9A2F-BB3D91C77F7C}"/>
+              </a:ext>
+            </a:extLst>
+          </p:cNvPr>
+          <p:cNvSpPr txBox="1"/>
+          <p:nvPr/>
+        </p:nvSpPr>
+        <p:spPr>
+          <a:xfrm>
+            <a:off x="8115140" y="1118994"/>
+            <a:ext cx="1544435" cy="307777"/>
+          </a:xfrm>
+          <a:prstGeom prst="rect">
+            <a:avLst/>
+          </a:prstGeom>
+          <a:noFill/>
+        </p:spPr>
+        <p:txBody>
+          <a:bodyPr wrap="square" rtlCol="0">
+            <a:spAutoFit/>
+          </a:bodyPr>
+          <a:lstStyle/>
+          <a:p>
+            <a:r>
+              <a:rPr lang="en-US" sz="1400" dirty="0"/>
+              <a:t>Tweets’ times</a:t>
+            </a:r>
+            <a:endParaRPr lang="en-IL" sz="1400" dirty="0"/>
+          </a:p>
+        </p:txBody>
+      </p:sp>
+      <p:sp>
+        <p:nvSpPr>
+          <p:cNvPr id="81" name="TextBox 80">
+            <a:extLst>
+              <a:ext uri="{FF2B5EF4-FFF2-40B4-BE49-F238E27FC236}">
+                <a16:creationId xmlns:a16="http://schemas.microsoft.com/office/drawing/2014/main" id="{811132A6-EA3E-4634-ADF5-6507ABBF06A7}"/>
+              </a:ext>
+            </a:extLst>
+          </p:cNvPr>
+          <p:cNvSpPr txBox="1"/>
+          <p:nvPr/>
+        </p:nvSpPr>
+        <p:spPr>
+          <a:xfrm>
+            <a:off x="9400054" y="4213916"/>
+            <a:ext cx="1544435" cy="307777"/>
+          </a:xfrm>
+          <a:prstGeom prst="rect">
+            <a:avLst/>
+          </a:prstGeom>
+          <a:noFill/>
+        </p:spPr>
+        <p:txBody>
+          <a:bodyPr wrap="square" rtlCol="0">
+            <a:spAutoFit/>
+          </a:bodyPr>
+          <a:lstStyle/>
+          <a:p>
+            <a:r>
+              <a:rPr lang="en-US" sz="1400" dirty="0"/>
+              <a:t>Tweets’ time diffs</a:t>
+            </a:r>
+            <a:endParaRPr lang="en-IL" sz="1400" dirty="0"/>
+          </a:p>
+        </p:txBody>
+      </p:sp>
+      <p:sp>
+        <p:nvSpPr>
+          <p:cNvPr id="82" name="TextBox 81">
+            <a:extLst>
+              <a:ext uri="{FF2B5EF4-FFF2-40B4-BE49-F238E27FC236}">
+                <a16:creationId xmlns:a16="http://schemas.microsoft.com/office/drawing/2014/main" id="{86C5AB6D-E715-48E3-A0FA-4EA96E02BEAE}"/>
+              </a:ext>
+            </a:extLst>
+          </p:cNvPr>
+          <p:cNvSpPr txBox="1"/>
+          <p:nvPr/>
+        </p:nvSpPr>
+        <p:spPr>
+          <a:xfrm>
+            <a:off x="6031685" y="6308521"/>
+            <a:ext cx="2533476" cy="369332"/>
+          </a:xfrm>
+          <a:prstGeom prst="rect">
+            <a:avLst/>
+          </a:prstGeom>
+          <a:noFill/>
+        </p:spPr>
+        <p:txBody>
+          <a:bodyPr wrap="square" rtlCol="0">
+            <a:spAutoFit/>
+          </a:bodyPr>
+          <a:lstStyle/>
+          <a:p>
+            <a:r>
+              <a:rPr lang="en-US" dirty="0"/>
+              <a:t>Feature Vector per tweet</a:t>
+            </a:r>
+            <a:endParaRPr lang="en-IL" dirty="0"/>
+          </a:p>
+        </p:txBody>
+      </p:sp>
     </p:spTree>
     <p:extLst>
       <p:ext uri="{BB962C8B-B14F-4D97-AF65-F5344CB8AC3E}">

--- a/מסמכים לפרוייקט/Model Pictures.pptx
+++ b/מסמכים לפרוייקט/Model Pictures.pptx
@@ -105,6 +105,11 @@
       </a:defRPr>
     </a:lvl9pPr>
   </p:defaultTextStyle>
+  <p:extLst>
+    <p:ext uri="{EFAFB233-063F-42B5-8137-9DF3F51BA10A}">
+      <p15:sldGuideLst xmlns:p15="http://schemas.microsoft.com/office/powerpoint/2012/main"/>
+    </p:ext>
+  </p:extLst>
 </p:presentation>
 </file>
 
@@ -257,7 +262,7 @@
           <a:p>
             <a:fld id="{BC645D70-86AA-49AE-8BEB-4EC13FF7C01B}" type="datetimeFigureOut">
               <a:rPr lang="en-IL" smtClean="0"/>
-              <a:t>02/11/2019</a:t>
+              <a:t>06/11/2019</a:t>
             </a:fld>
             <a:endParaRPr lang="en-IL"/>
           </a:p>
@@ -457,7 +462,7 @@
           <a:p>
             <a:fld id="{BC645D70-86AA-49AE-8BEB-4EC13FF7C01B}" type="datetimeFigureOut">
               <a:rPr lang="en-IL" smtClean="0"/>
-              <a:t>02/11/2019</a:t>
+              <a:t>06/11/2019</a:t>
             </a:fld>
             <a:endParaRPr lang="en-IL"/>
           </a:p>
@@ -667,7 +672,7 @@
           <a:p>
             <a:fld id="{BC645D70-86AA-49AE-8BEB-4EC13FF7C01B}" type="datetimeFigureOut">
               <a:rPr lang="en-IL" smtClean="0"/>
-              <a:t>02/11/2019</a:t>
+              <a:t>06/11/2019</a:t>
             </a:fld>
             <a:endParaRPr lang="en-IL"/>
           </a:p>
@@ -867,7 +872,7 @@
           <a:p>
             <a:fld id="{BC645D70-86AA-49AE-8BEB-4EC13FF7C01B}" type="datetimeFigureOut">
               <a:rPr lang="en-IL" smtClean="0"/>
-              <a:t>02/11/2019</a:t>
+              <a:t>06/11/2019</a:t>
             </a:fld>
             <a:endParaRPr lang="en-IL"/>
           </a:p>
@@ -1143,7 +1148,7 @@
           <a:p>
             <a:fld id="{BC645D70-86AA-49AE-8BEB-4EC13FF7C01B}" type="datetimeFigureOut">
               <a:rPr lang="en-IL" smtClean="0"/>
-              <a:t>02/11/2019</a:t>
+              <a:t>06/11/2019</a:t>
             </a:fld>
             <a:endParaRPr lang="en-IL"/>
           </a:p>
@@ -1411,7 +1416,7 @@
           <a:p>
             <a:fld id="{BC645D70-86AA-49AE-8BEB-4EC13FF7C01B}" type="datetimeFigureOut">
               <a:rPr lang="en-IL" smtClean="0"/>
-              <a:t>02/11/2019</a:t>
+              <a:t>06/11/2019</a:t>
             </a:fld>
             <a:endParaRPr lang="en-IL"/>
           </a:p>
@@ -1826,7 +1831,7 @@
           <a:p>
             <a:fld id="{BC645D70-86AA-49AE-8BEB-4EC13FF7C01B}" type="datetimeFigureOut">
               <a:rPr lang="en-IL" smtClean="0"/>
-              <a:t>02/11/2019</a:t>
+              <a:t>06/11/2019</a:t>
             </a:fld>
             <a:endParaRPr lang="en-IL"/>
           </a:p>
@@ -1968,7 +1973,7 @@
           <a:p>
             <a:fld id="{BC645D70-86AA-49AE-8BEB-4EC13FF7C01B}" type="datetimeFigureOut">
               <a:rPr lang="en-IL" smtClean="0"/>
-              <a:t>02/11/2019</a:t>
+              <a:t>06/11/2019</a:t>
             </a:fld>
             <a:endParaRPr lang="en-IL"/>
           </a:p>
@@ -2081,7 +2086,7 @@
           <a:p>
             <a:fld id="{BC645D70-86AA-49AE-8BEB-4EC13FF7C01B}" type="datetimeFigureOut">
               <a:rPr lang="en-IL" smtClean="0"/>
-              <a:t>02/11/2019</a:t>
+              <a:t>06/11/2019</a:t>
             </a:fld>
             <a:endParaRPr lang="en-IL"/>
           </a:p>
@@ -2394,7 +2399,7 @@
           <a:p>
             <a:fld id="{BC645D70-86AA-49AE-8BEB-4EC13FF7C01B}" type="datetimeFigureOut">
               <a:rPr lang="en-IL" smtClean="0"/>
-              <a:t>02/11/2019</a:t>
+              <a:t>06/11/2019</a:t>
             </a:fld>
             <a:endParaRPr lang="en-IL"/>
           </a:p>
@@ -2683,7 +2688,7 @@
           <a:p>
             <a:fld id="{BC645D70-86AA-49AE-8BEB-4EC13FF7C01B}" type="datetimeFigureOut">
               <a:rPr lang="en-IL" smtClean="0"/>
-              <a:t>02/11/2019</a:t>
+              <a:t>06/11/2019</a:t>
             </a:fld>
             <a:endParaRPr lang="en-IL"/>
           </a:p>
@@ -2926,7 +2931,7 @@
           <a:p>
             <a:fld id="{BC645D70-86AA-49AE-8BEB-4EC13FF7C01B}" type="datetimeFigureOut">
               <a:rPr lang="en-IL" smtClean="0"/>
-              <a:t>02/11/2019</a:t>
+              <a:t>06/11/2019</a:t>
             </a:fld>
             <a:endParaRPr lang="en-IL"/>
           </a:p>
@@ -3434,7 +3439,7 @@
         </p:nvSpPr>
         <p:spPr>
           <a:xfrm>
-            <a:off x="520117" y="352338"/>
+            <a:off x="159390" y="226503"/>
             <a:ext cx="1224794" cy="1417740"/>
           </a:xfrm>
           <a:prstGeom prst="rect">
@@ -3491,7 +3496,7 @@
         </p:nvSpPr>
         <p:spPr>
           <a:xfrm>
-            <a:off x="1392571" y="2365695"/>
+            <a:off x="1031844" y="2021746"/>
             <a:ext cx="1249960" cy="1325460"/>
           </a:xfrm>
           <a:prstGeom prst="rect">
@@ -3529,26 +3534,30 @@
       </p:sp>
       <p:cxnSp>
         <p:nvCxnSpPr>
-          <p:cNvPr id="10" name="Straight Connector 9">
-            <a:extLst>
-              <a:ext uri="{FF2B5EF4-FFF2-40B4-BE49-F238E27FC236}">
-                <a16:creationId xmlns:a16="http://schemas.microsoft.com/office/drawing/2014/main" id="{0BD51BD5-A321-4229-B10A-6FC281EB9A20}"/>
+          <p:cNvPr id="12" name="Straight Arrow Connector 11">
+            <a:extLst>
+              <a:ext uri="{FF2B5EF4-FFF2-40B4-BE49-F238E27FC236}">
+                <a16:creationId xmlns:a16="http://schemas.microsoft.com/office/drawing/2014/main" id="{CCEC37FD-3E86-45C7-8969-976BCEFED948}"/>
               </a:ext>
             </a:extLst>
           </p:cNvPr>
           <p:cNvCxnSpPr>
-            <a:stCxn id="5" idx="3"/>
+            <a:cxnSpLocks/>
+            <a:endCxn id="8" idx="0"/>
           </p:cNvCxnSpPr>
           <p:nvPr/>
         </p:nvCxnSpPr>
         <p:spPr>
-          <a:xfrm>
-            <a:off x="1744911" y="1061208"/>
-            <a:ext cx="1191236" cy="0"/>
-          </a:xfrm>
-          <a:prstGeom prst="line">
-            <a:avLst/>
-          </a:prstGeom>
+          <a:xfrm flipH="1">
+            <a:off x="1656824" y="1061208"/>
+            <a:ext cx="4195" cy="960538"/>
+          </a:xfrm>
+          <a:prstGeom prst="straightConnector1">
+            <a:avLst/>
+          </a:prstGeom>
+          <a:ln>
+            <a:tailEnd type="triangle"/>
+          </a:ln>
         </p:spPr>
         <p:style>
           <a:lnRef idx="1">
@@ -3565,63 +3574,21 @@
           </a:fontRef>
         </p:style>
       </p:cxnSp>
-      <p:cxnSp>
-        <p:nvCxnSpPr>
-          <p:cNvPr id="12" name="Straight Arrow Connector 11">
-            <a:extLst>
-              <a:ext uri="{FF2B5EF4-FFF2-40B4-BE49-F238E27FC236}">
-                <a16:creationId xmlns:a16="http://schemas.microsoft.com/office/drawing/2014/main" id="{CCEC37FD-3E86-45C7-8969-976BCEFED948}"/>
-              </a:ext>
-            </a:extLst>
-          </p:cNvPr>
-          <p:cNvCxnSpPr>
-            <a:cxnSpLocks/>
-            <a:endCxn id="8" idx="0"/>
-          </p:cNvCxnSpPr>
-          <p:nvPr/>
-        </p:nvCxnSpPr>
+      <p:sp>
+        <p:nvSpPr>
+          <p:cNvPr id="13" name="TextBox 12">
+            <a:extLst>
+              <a:ext uri="{FF2B5EF4-FFF2-40B4-BE49-F238E27FC236}">
+                <a16:creationId xmlns:a16="http://schemas.microsoft.com/office/drawing/2014/main" id="{CB21B05D-8F98-450D-9A3B-2A384651895F}"/>
+              </a:ext>
+            </a:extLst>
+          </p:cNvPr>
+          <p:cNvSpPr txBox="1"/>
+          <p:nvPr/>
+        </p:nvSpPr>
         <p:spPr>
           <a:xfrm>
-            <a:off x="2017551" y="1061208"/>
-            <a:ext cx="0" cy="1304487"/>
-          </a:xfrm>
-          <a:prstGeom prst="straightConnector1">
-            <a:avLst/>
-          </a:prstGeom>
-          <a:ln>
-            <a:tailEnd type="triangle"/>
-          </a:ln>
-        </p:spPr>
-        <p:style>
-          <a:lnRef idx="1">
-            <a:schemeClr val="accent1"/>
-          </a:lnRef>
-          <a:fillRef idx="0">
-            <a:schemeClr val="accent1"/>
-          </a:fillRef>
-          <a:effectRef idx="0">
-            <a:schemeClr val="accent1"/>
-          </a:effectRef>
-          <a:fontRef idx="minor">
-            <a:schemeClr val="tx1"/>
-          </a:fontRef>
-        </p:style>
-      </p:cxnSp>
-      <p:sp>
-        <p:nvSpPr>
-          <p:cNvPr id="13" name="TextBox 12">
-            <a:extLst>
-              <a:ext uri="{FF2B5EF4-FFF2-40B4-BE49-F238E27FC236}">
-                <a16:creationId xmlns:a16="http://schemas.microsoft.com/office/drawing/2014/main" id="{CB21B05D-8F98-450D-9A3B-2A384651895F}"/>
-              </a:ext>
-            </a:extLst>
-          </p:cNvPr>
-          <p:cNvSpPr txBox="1"/>
-          <p:nvPr/>
-        </p:nvSpPr>
-        <p:spPr>
-          <a:xfrm>
-            <a:off x="2292976" y="1721139"/>
+            <a:off x="1932249" y="1377190"/>
             <a:ext cx="1279322" cy="584775"/>
           </a:xfrm>
           <a:prstGeom prst="rect">
@@ -3666,7 +3633,7 @@
         </p:nvCxnSpPr>
         <p:spPr>
           <a:xfrm>
-            <a:off x="2013357" y="2063692"/>
+            <a:off x="1652630" y="1719743"/>
             <a:ext cx="159391" cy="302003"/>
           </a:xfrm>
           <a:prstGeom prst="straightConnector1">
@@ -3707,7 +3674,7 @@
         </p:nvCxnSpPr>
         <p:spPr>
           <a:xfrm>
-            <a:off x="2021746" y="2063692"/>
+            <a:off x="1661019" y="1719743"/>
             <a:ext cx="327170" cy="302002"/>
           </a:xfrm>
           <a:prstGeom prst="straightConnector1">
@@ -3748,7 +3715,7 @@
         </p:nvCxnSpPr>
         <p:spPr>
           <a:xfrm flipH="1">
-            <a:off x="1862355" y="2063692"/>
+            <a:off x="1501628" y="1719743"/>
             <a:ext cx="151003" cy="302002"/>
           </a:xfrm>
           <a:prstGeom prst="straightConnector1">
@@ -3789,7 +3756,7 @@
         </p:nvCxnSpPr>
         <p:spPr>
           <a:xfrm flipH="1">
-            <a:off x="1687584" y="2056701"/>
+            <a:off x="1326857" y="1712752"/>
             <a:ext cx="327170" cy="302002"/>
           </a:xfrm>
           <a:prstGeom prst="straightConnector1">
@@ -3830,7 +3797,7 @@
         </p:nvCxnSpPr>
         <p:spPr>
           <a:xfrm>
-            <a:off x="2021746" y="1061208"/>
+            <a:off x="1661019" y="1061208"/>
             <a:ext cx="1718345" cy="0"/>
           </a:xfrm>
           <a:prstGeom prst="line">
@@ -3866,7 +3833,7 @@
         </p:nvSpPr>
         <p:spPr>
           <a:xfrm>
-            <a:off x="6160314" y="3028426"/>
+            <a:off x="5237524" y="2684477"/>
             <a:ext cx="1117134" cy="1054916"/>
           </a:xfrm>
           <a:prstGeom prst="ellipse">
@@ -3916,7 +3883,7 @@
         </p:nvSpPr>
         <p:spPr>
           <a:xfrm>
-            <a:off x="6099502" y="1612084"/>
+            <a:off x="5176712" y="1268135"/>
             <a:ext cx="1238759" cy="1191235"/>
           </a:xfrm>
           <a:prstGeom prst="ellipse">
@@ -3966,7 +3933,7 @@
         </p:nvSpPr>
         <p:spPr>
           <a:xfrm>
-            <a:off x="3112315" y="2365694"/>
+            <a:off x="2751588" y="2021745"/>
             <a:ext cx="1238759" cy="1325461"/>
           </a:xfrm>
           <a:prstGeom prst="rect">
@@ -4019,13 +3986,15 @@
               </a:ext>
             </a:extLst>
           </p:cNvPr>
-          <p:cNvCxnSpPr/>
+          <p:cNvCxnSpPr>
+            <a:cxnSpLocks/>
+          </p:cNvCxnSpPr>
           <p:nvPr/>
         </p:nvCxnSpPr>
         <p:spPr>
           <a:xfrm>
-            <a:off x="3740091" y="1061208"/>
-            <a:ext cx="0" cy="1304487"/>
+            <a:off x="3379364" y="1061208"/>
+            <a:ext cx="0" cy="960538"/>
           </a:xfrm>
           <a:prstGeom prst="straightConnector1">
             <a:avLst/>
@@ -4065,7 +4034,7 @@
         </p:nvCxnSpPr>
         <p:spPr>
           <a:xfrm>
-            <a:off x="3735897" y="2063692"/>
+            <a:off x="3375170" y="1719743"/>
             <a:ext cx="159391" cy="302003"/>
           </a:xfrm>
           <a:prstGeom prst="straightConnector1">
@@ -4106,7 +4075,7 @@
         </p:nvCxnSpPr>
         <p:spPr>
           <a:xfrm>
-            <a:off x="3744286" y="2063692"/>
+            <a:off x="3383559" y="1719743"/>
             <a:ext cx="327170" cy="302002"/>
           </a:xfrm>
           <a:prstGeom prst="straightConnector1">
@@ -4147,7 +4116,7 @@
         </p:nvCxnSpPr>
         <p:spPr>
           <a:xfrm flipH="1">
-            <a:off x="3584895" y="2063692"/>
+            <a:off x="3224168" y="1719743"/>
             <a:ext cx="151003" cy="302002"/>
           </a:xfrm>
           <a:prstGeom prst="straightConnector1">
@@ -4188,7 +4157,7 @@
         </p:nvCxnSpPr>
         <p:spPr>
           <a:xfrm flipH="1">
-            <a:off x="3410124" y="2056701"/>
+            <a:off x="3049397" y="1712752"/>
             <a:ext cx="327170" cy="302002"/>
           </a:xfrm>
           <a:prstGeom prst="straightConnector1">
@@ -4230,12 +4199,12 @@
         </p:nvCxnSpPr>
         <p:spPr>
           <a:xfrm rot="10800000" flipV="1">
-            <a:off x="4351074" y="2207701"/>
-            <a:ext cx="1748428" cy="820723"/>
+            <a:off x="3990348" y="1863752"/>
+            <a:ext cx="1186365" cy="820723"/>
           </a:xfrm>
           <a:prstGeom prst="bentConnector3">
             <a:avLst>
-              <a:gd name="adj1" fmla="val 48561"/>
+              <a:gd name="adj1" fmla="val 47172"/>
             </a:avLst>
           </a:prstGeom>
           <a:ln>
@@ -4275,8 +4244,8 @@
         </p:nvCxnSpPr>
         <p:spPr>
           <a:xfrm rot="10800000">
-            <a:off x="4351074" y="3028426"/>
-            <a:ext cx="1809240" cy="527459"/>
+            <a:off x="3990348" y="2684477"/>
+            <a:ext cx="1247177" cy="527459"/>
           </a:xfrm>
           <a:prstGeom prst="bentConnector3">
             <a:avLst>
@@ -4318,7 +4287,7 @@
         </p:nvCxnSpPr>
         <p:spPr>
           <a:xfrm flipH="1">
-            <a:off x="2011959" y="3691155"/>
+            <a:off x="1651232" y="3347206"/>
             <a:ext cx="4194" cy="645953"/>
           </a:xfrm>
           <a:prstGeom prst="straightConnector1">
@@ -4357,7 +4326,7 @@
         </p:nvCxnSpPr>
         <p:spPr>
           <a:xfrm flipH="1">
-            <a:off x="2167156" y="3695348"/>
+            <a:off x="1806429" y="3351399"/>
             <a:ext cx="4194" cy="645953"/>
           </a:xfrm>
           <a:prstGeom prst="straightConnector1">
@@ -4396,7 +4365,7 @@
         </p:nvCxnSpPr>
         <p:spPr>
           <a:xfrm flipH="1">
-            <a:off x="1686186" y="3693253"/>
+            <a:off x="1325459" y="3349304"/>
             <a:ext cx="4194" cy="645953"/>
           </a:xfrm>
           <a:prstGeom prst="straightConnector1">
@@ -4435,7 +4404,7 @@
         </p:nvCxnSpPr>
         <p:spPr>
           <a:xfrm flipH="1">
-            <a:off x="1845577" y="3694647"/>
+            <a:off x="1484850" y="3350698"/>
             <a:ext cx="4194" cy="645953"/>
           </a:xfrm>
           <a:prstGeom prst="straightConnector1">
@@ -4474,7 +4443,7 @@
         </p:nvCxnSpPr>
         <p:spPr>
           <a:xfrm flipH="1">
-            <a:off x="2347518" y="3693951"/>
+            <a:off x="1986791" y="3350002"/>
             <a:ext cx="4194" cy="645953"/>
           </a:xfrm>
           <a:prstGeom prst="straightConnector1">
@@ -4515,7 +4484,7 @@
         </p:nvCxnSpPr>
         <p:spPr>
           <a:xfrm flipH="1">
-            <a:off x="3735897" y="3689757"/>
+            <a:off x="3375170" y="3345808"/>
             <a:ext cx="4194" cy="645953"/>
           </a:xfrm>
           <a:prstGeom prst="straightConnector1">
@@ -4554,7 +4523,7 @@
         </p:nvCxnSpPr>
         <p:spPr>
           <a:xfrm flipH="1">
-            <a:off x="3891094" y="3693950"/>
+            <a:off x="3530367" y="3350001"/>
             <a:ext cx="4194" cy="645953"/>
           </a:xfrm>
           <a:prstGeom prst="straightConnector1">
@@ -4593,7 +4562,7 @@
         </p:nvCxnSpPr>
         <p:spPr>
           <a:xfrm flipH="1">
-            <a:off x="3410124" y="3691855"/>
+            <a:off x="3049397" y="3347906"/>
             <a:ext cx="4194" cy="645953"/>
           </a:xfrm>
           <a:prstGeom prst="straightConnector1">
@@ -4632,7 +4601,7 @@
         </p:nvCxnSpPr>
         <p:spPr>
           <a:xfrm flipH="1">
-            <a:off x="3569515" y="3693249"/>
+            <a:off x="3208788" y="3349300"/>
             <a:ext cx="4194" cy="645953"/>
           </a:xfrm>
           <a:prstGeom prst="straightConnector1">
@@ -4671,7 +4640,7 @@
         </p:nvCxnSpPr>
         <p:spPr>
           <a:xfrm flipH="1">
-            <a:off x="4071456" y="3692553"/>
+            <a:off x="3710729" y="3348604"/>
             <a:ext cx="4194" cy="645953"/>
           </a:xfrm>
           <a:prstGeom prst="straightConnector1">
@@ -4710,7 +4679,7 @@
         </p:nvSpPr>
         <p:spPr>
           <a:xfrm>
-            <a:off x="497040" y="3752522"/>
+            <a:off x="136313" y="3408573"/>
             <a:ext cx="1303103" cy="523220"/>
           </a:xfrm>
           <a:prstGeom prst="rect">
@@ -4746,7 +4715,7 @@
         </p:nvSpPr>
         <p:spPr>
           <a:xfrm>
-            <a:off x="4064450" y="3749378"/>
+            <a:off x="3703723" y="3405429"/>
             <a:ext cx="1501660" cy="523220"/>
           </a:xfrm>
           <a:prstGeom prst="rect">
@@ -4789,7 +4758,7 @@
         </p:nvSpPr>
         <p:spPr>
           <a:xfrm>
-            <a:off x="1310806" y="4353328"/>
+            <a:off x="950079" y="4009379"/>
             <a:ext cx="3166850" cy="1233181"/>
           </a:xfrm>
           <a:prstGeom prst="roundRect">
@@ -4839,7 +4808,7 @@
         </p:nvSpPr>
         <p:spPr>
           <a:xfrm>
-            <a:off x="4875886" y="5343229"/>
+            <a:off x="4515159" y="4999280"/>
             <a:ext cx="1985760" cy="1233181"/>
           </a:xfrm>
           <a:prstGeom prst="roundRect">
@@ -4889,7 +4858,7 @@
         </p:nvSpPr>
         <p:spPr>
           <a:xfrm>
-            <a:off x="8042734" y="5343228"/>
+            <a:off x="7682007" y="4999279"/>
             <a:ext cx="1985760" cy="1233181"/>
           </a:xfrm>
           <a:prstGeom prst="roundRect">
@@ -4942,7 +4911,7 @@
         </p:nvCxnSpPr>
         <p:spPr>
           <a:xfrm rot="16200000" flipH="1">
-            <a:off x="3698403" y="4782336"/>
+            <a:off x="3337676" y="4438387"/>
             <a:ext cx="373311" cy="1981655"/>
           </a:xfrm>
           <a:prstGeom prst="bentConnector2">
@@ -4985,7 +4954,7 @@
         </p:nvCxnSpPr>
         <p:spPr>
           <a:xfrm flipV="1">
-            <a:off x="6861646" y="5959819"/>
+            <a:off x="6500919" y="5615870"/>
             <a:ext cx="1181088" cy="1"/>
           </a:xfrm>
           <a:prstGeom prst="straightConnector1">
@@ -5024,7 +4993,7 @@
         </p:nvSpPr>
         <p:spPr>
           <a:xfrm>
-            <a:off x="2894231" y="6021174"/>
+            <a:off x="2533504" y="5677225"/>
             <a:ext cx="1470156" cy="523220"/>
           </a:xfrm>
           <a:prstGeom prst="rect">
@@ -5067,7 +5036,7 @@
         </p:nvSpPr>
         <p:spPr>
           <a:xfrm>
-            <a:off x="6797878" y="5049041"/>
+            <a:off x="6437151" y="4705092"/>
             <a:ext cx="1470156" cy="523220"/>
           </a:xfrm>
           <a:prstGeom prst="rect">
@@ -5112,7 +5081,7 @@
         </p:nvCxnSpPr>
         <p:spPr>
           <a:xfrm flipV="1">
-            <a:off x="10028494" y="4353328"/>
+            <a:off x="9667767" y="4009379"/>
             <a:ext cx="475922" cy="1606491"/>
           </a:xfrm>
           <a:prstGeom prst="bentConnector2">
@@ -5150,7 +5119,7 @@
         </p:nvCxnSpPr>
         <p:spPr>
           <a:xfrm flipH="1" flipV="1">
-            <a:off x="10023447" y="3396180"/>
+            <a:off x="9662720" y="3052231"/>
             <a:ext cx="480969" cy="953743"/>
           </a:xfrm>
           <a:prstGeom prst="straightConnector1">
@@ -5191,7 +5160,7 @@
         </p:nvCxnSpPr>
         <p:spPr>
           <a:xfrm flipV="1">
-            <a:off x="10494627" y="3370068"/>
+            <a:off x="10133900" y="3026119"/>
             <a:ext cx="480970" cy="983260"/>
           </a:xfrm>
           <a:prstGeom prst="straightConnector1">
@@ -5230,7 +5199,7 @@
         </p:nvSpPr>
         <p:spPr>
           <a:xfrm>
-            <a:off x="9644527" y="2551165"/>
+            <a:off x="9283800" y="2207216"/>
             <a:ext cx="1748428" cy="851756"/>
           </a:xfrm>
           <a:prstGeom prst="rect">
@@ -5266,6 +5235,219 @@
           </a:p>
         </p:txBody>
       </p:sp>
+      <p:sp>
+        <p:nvSpPr>
+          <p:cNvPr id="106" name="Rectangle 105">
+            <a:extLst>
+              <a:ext uri="{FF2B5EF4-FFF2-40B4-BE49-F238E27FC236}">
+                <a16:creationId xmlns:a16="http://schemas.microsoft.com/office/drawing/2014/main" id="{E042A917-5B85-44B0-84AC-3C0D89835C94}"/>
+              </a:ext>
+            </a:extLst>
+          </p:cNvPr>
+          <p:cNvSpPr/>
+          <p:nvPr/>
+        </p:nvSpPr>
+        <p:spPr>
+          <a:xfrm>
+            <a:off x="7191143" y="3405429"/>
+            <a:ext cx="1308683" cy="876418"/>
+          </a:xfrm>
+          <a:prstGeom prst="rect">
+            <a:avLst/>
+          </a:prstGeom>
+        </p:spPr>
+        <p:style>
+          <a:lnRef idx="2">
+            <a:schemeClr val="accent1">
+              <a:shade val="50000"/>
+            </a:schemeClr>
+          </a:lnRef>
+          <a:fillRef idx="1">
+            <a:schemeClr val="accent1"/>
+          </a:fillRef>
+          <a:effectRef idx="0">
+            <a:schemeClr val="accent1"/>
+          </a:effectRef>
+          <a:fontRef idx="minor">
+            <a:schemeClr val="lt1"/>
+          </a:fontRef>
+        </p:style>
+        <p:txBody>
+          <a:bodyPr rtlCol="0" anchor="ctr"/>
+          <a:lstStyle/>
+          <a:p>
+            <a:pPr algn="ctr"/>
+            <a:r>
+              <a:rPr lang="en-US" dirty="0"/>
+              <a:t>Handmade Features</a:t>
+            </a:r>
+            <a:endParaRPr lang="en-IL" dirty="0"/>
+          </a:p>
+        </p:txBody>
+      </p:sp>
+      <p:cxnSp>
+        <p:nvCxnSpPr>
+          <p:cNvPr id="114" name="Straight Connector 113">
+            <a:extLst>
+              <a:ext uri="{FF2B5EF4-FFF2-40B4-BE49-F238E27FC236}">
+                <a16:creationId xmlns:a16="http://schemas.microsoft.com/office/drawing/2014/main" id="{BB9E6F2F-0462-4781-B1EC-D8130CAFACC9}"/>
+              </a:ext>
+            </a:extLst>
+          </p:cNvPr>
+          <p:cNvCxnSpPr>
+            <a:cxnSpLocks/>
+          </p:cNvCxnSpPr>
+          <p:nvPr/>
+        </p:nvCxnSpPr>
+        <p:spPr>
+          <a:xfrm flipV="1">
+            <a:off x="3383559" y="1057570"/>
+            <a:ext cx="4461925" cy="3639"/>
+          </a:xfrm>
+          <a:prstGeom prst="line">
+            <a:avLst/>
+          </a:prstGeom>
+        </p:spPr>
+        <p:style>
+          <a:lnRef idx="1">
+            <a:schemeClr val="accent1"/>
+          </a:lnRef>
+          <a:fillRef idx="0">
+            <a:schemeClr val="accent1"/>
+          </a:fillRef>
+          <a:effectRef idx="0">
+            <a:schemeClr val="accent1"/>
+          </a:effectRef>
+          <a:fontRef idx="minor">
+            <a:schemeClr val="tx1"/>
+          </a:fontRef>
+        </p:style>
+      </p:cxnSp>
+      <p:cxnSp>
+        <p:nvCxnSpPr>
+          <p:cNvPr id="122" name="Straight Arrow Connector 121">
+            <a:extLst>
+              <a:ext uri="{FF2B5EF4-FFF2-40B4-BE49-F238E27FC236}">
+                <a16:creationId xmlns:a16="http://schemas.microsoft.com/office/drawing/2014/main" id="{9ECB2E01-1DFB-4F1B-A4BE-4BE76B1FF03F}"/>
+              </a:ext>
+            </a:extLst>
+          </p:cNvPr>
+          <p:cNvCxnSpPr>
+            <a:cxnSpLocks/>
+            <a:endCxn id="106" idx="0"/>
+          </p:cNvCxnSpPr>
+          <p:nvPr/>
+        </p:nvCxnSpPr>
+        <p:spPr>
+          <a:xfrm>
+            <a:off x="7845485" y="1057570"/>
+            <a:ext cx="0" cy="2347859"/>
+          </a:xfrm>
+          <a:prstGeom prst="straightConnector1">
+            <a:avLst/>
+          </a:prstGeom>
+          <a:ln>
+            <a:tailEnd type="triangle"/>
+          </a:ln>
+        </p:spPr>
+        <p:style>
+          <a:lnRef idx="1">
+            <a:schemeClr val="accent1"/>
+          </a:lnRef>
+          <a:fillRef idx="0">
+            <a:schemeClr val="accent1"/>
+          </a:fillRef>
+          <a:effectRef idx="0">
+            <a:schemeClr val="accent1"/>
+          </a:effectRef>
+          <a:fontRef idx="minor">
+            <a:schemeClr val="tx1"/>
+          </a:fontRef>
+        </p:style>
+      </p:cxnSp>
+      <p:cxnSp>
+        <p:nvCxnSpPr>
+          <p:cNvPr id="130" name="Connector: Elbow 129">
+            <a:extLst>
+              <a:ext uri="{FF2B5EF4-FFF2-40B4-BE49-F238E27FC236}">
+                <a16:creationId xmlns:a16="http://schemas.microsoft.com/office/drawing/2014/main" id="{6E059098-B21E-4E61-B49D-F54D211F3432}"/>
+              </a:ext>
+            </a:extLst>
+          </p:cNvPr>
+          <p:cNvCxnSpPr>
+            <a:cxnSpLocks/>
+            <a:stCxn id="106" idx="2"/>
+            <a:endCxn id="79" idx="0"/>
+          </p:cNvCxnSpPr>
+          <p:nvPr/>
+        </p:nvCxnSpPr>
+        <p:spPr>
+          <a:xfrm rot="5400000">
+            <a:off x="6318046" y="3471840"/>
+            <a:ext cx="717433" cy="2337446"/>
+          </a:xfrm>
+          <a:prstGeom prst="bentConnector3">
+            <a:avLst>
+              <a:gd name="adj1" fmla="val 50000"/>
+            </a:avLst>
+          </a:prstGeom>
+          <a:ln>
+            <a:tailEnd type="triangle"/>
+          </a:ln>
+        </p:spPr>
+        <p:style>
+          <a:lnRef idx="1">
+            <a:schemeClr val="accent1"/>
+          </a:lnRef>
+          <a:fillRef idx="0">
+            <a:schemeClr val="accent1"/>
+          </a:fillRef>
+          <a:effectRef idx="0">
+            <a:schemeClr val="accent1"/>
+          </a:effectRef>
+          <a:fontRef idx="minor">
+            <a:schemeClr val="tx1"/>
+          </a:fontRef>
+        </p:style>
+      </p:cxnSp>
+      <p:cxnSp>
+        <p:nvCxnSpPr>
+          <p:cNvPr id="137" name="Straight Connector 136">
+            <a:extLst>
+              <a:ext uri="{FF2B5EF4-FFF2-40B4-BE49-F238E27FC236}">
+                <a16:creationId xmlns:a16="http://schemas.microsoft.com/office/drawing/2014/main" id="{061014F1-2E6F-4AF1-956D-1F87F195CC70}"/>
+              </a:ext>
+            </a:extLst>
+          </p:cNvPr>
+          <p:cNvCxnSpPr>
+            <a:cxnSpLocks/>
+          </p:cNvCxnSpPr>
+          <p:nvPr/>
+        </p:nvCxnSpPr>
+        <p:spPr>
+          <a:xfrm>
+            <a:off x="1384184" y="1065959"/>
+            <a:ext cx="348141" cy="0"/>
+          </a:xfrm>
+          <a:prstGeom prst="line">
+            <a:avLst/>
+          </a:prstGeom>
+        </p:spPr>
+        <p:style>
+          <a:lnRef idx="1">
+            <a:schemeClr val="accent1"/>
+          </a:lnRef>
+          <a:fillRef idx="0">
+            <a:schemeClr val="accent1"/>
+          </a:fillRef>
+          <a:effectRef idx="0">
+            <a:schemeClr val="accent1"/>
+          </a:effectRef>
+          <a:fontRef idx="minor">
+            <a:schemeClr val="tx1"/>
+          </a:fontRef>
+        </p:style>
+      </p:cxnSp>
     </p:spTree>
     <p:extLst>
       <p:ext uri="{BB962C8B-B14F-4D97-AF65-F5344CB8AC3E}">
@@ -5619,7 +5801,7 @@
             <a:pPr algn="ctr"/>
             <a:r>
               <a:rPr lang="en-US" dirty="0"/>
-              <a:t>Time Differences</a:t>
+              <a:t>Handmade Features</a:t>
             </a:r>
             <a:endParaRPr lang="en-IL" dirty="0"/>
           </a:p>
@@ -5851,8 +6033,8 @@
         </p:nvSpPr>
         <p:spPr>
           <a:xfrm>
-            <a:off x="436227" y="399569"/>
-            <a:ext cx="1191232" cy="523220"/>
+            <a:off x="538991" y="592522"/>
+            <a:ext cx="1191232" cy="307777"/>
           </a:xfrm>
           <a:prstGeom prst="rect">
             <a:avLst/>
@@ -5868,13 +6050,6 @@
             <a:r>
               <a:rPr lang="en-US" sz="1400" dirty="0"/>
               <a:t>User Tweets</a:t>
-            </a:r>
-            <a:br>
-              <a:rPr lang="en-US" sz="1400" dirty="0"/>
-            </a:br>
-            <a:r>
-              <a:rPr lang="en-US" sz="1400" dirty="0"/>
-              <a:t>(text + time)</a:t>
             </a:r>
             <a:endParaRPr lang="en-IL" sz="1400" dirty="0"/>
           </a:p>
@@ -6458,78 +6633,6 @@
           </a:fontRef>
         </p:style>
       </p:cxnSp>
-      <p:sp>
-        <p:nvSpPr>
-          <p:cNvPr id="80" name="TextBox 79">
-            <a:extLst>
-              <a:ext uri="{FF2B5EF4-FFF2-40B4-BE49-F238E27FC236}">
-                <a16:creationId xmlns:a16="http://schemas.microsoft.com/office/drawing/2014/main" id="{1738E3FE-5E0F-4113-9A2F-BB3D91C77F7C}"/>
-              </a:ext>
-            </a:extLst>
-          </p:cNvPr>
-          <p:cNvSpPr txBox="1"/>
-          <p:nvPr/>
-        </p:nvSpPr>
-        <p:spPr>
-          <a:xfrm>
-            <a:off x="8115140" y="1118994"/>
-            <a:ext cx="1544435" cy="307777"/>
-          </a:xfrm>
-          <a:prstGeom prst="rect">
-            <a:avLst/>
-          </a:prstGeom>
-          <a:noFill/>
-        </p:spPr>
-        <p:txBody>
-          <a:bodyPr wrap="square" rtlCol="0">
-            <a:spAutoFit/>
-          </a:bodyPr>
-          <a:lstStyle/>
-          <a:p>
-            <a:r>
-              <a:rPr lang="en-US" sz="1400" dirty="0"/>
-              <a:t>Tweets’ times</a:t>
-            </a:r>
-            <a:endParaRPr lang="en-IL" sz="1400" dirty="0"/>
-          </a:p>
-        </p:txBody>
-      </p:sp>
-      <p:sp>
-        <p:nvSpPr>
-          <p:cNvPr id="81" name="TextBox 80">
-            <a:extLst>
-              <a:ext uri="{FF2B5EF4-FFF2-40B4-BE49-F238E27FC236}">
-                <a16:creationId xmlns:a16="http://schemas.microsoft.com/office/drawing/2014/main" id="{811132A6-EA3E-4634-ADF5-6507ABBF06A7}"/>
-              </a:ext>
-            </a:extLst>
-          </p:cNvPr>
-          <p:cNvSpPr txBox="1"/>
-          <p:nvPr/>
-        </p:nvSpPr>
-        <p:spPr>
-          <a:xfrm>
-            <a:off x="9400054" y="4213916"/>
-            <a:ext cx="1544435" cy="307777"/>
-          </a:xfrm>
-          <a:prstGeom prst="rect">
-            <a:avLst/>
-          </a:prstGeom>
-          <a:noFill/>
-        </p:spPr>
-        <p:txBody>
-          <a:bodyPr wrap="square" rtlCol="0">
-            <a:spAutoFit/>
-          </a:bodyPr>
-          <a:lstStyle/>
-          <a:p>
-            <a:r>
-              <a:rPr lang="en-US" sz="1400" dirty="0"/>
-              <a:t>Tweets’ time diffs</a:t>
-            </a:r>
-            <a:endParaRPr lang="en-IL" sz="1400" dirty="0"/>
-          </a:p>
-        </p:txBody>
-      </p:sp>
       <p:sp>
         <p:nvSpPr>
           <p:cNvPr id="82" name="TextBox 81">
